--- a/documents/Ball is Life Workshop.pptx
+++ b/documents/Ball is Life Workshop.pptx
@@ -5,7 +5,7 @@
     <p:sldMasterId id="2147483648" r:id="rId1"/>
   </p:sldMasterIdLst>
   <p:notesMasterIdLst>
-    <p:notesMasterId r:id="rId21"/>
+    <p:notesMasterId r:id="rId22"/>
   </p:notesMasterIdLst>
   <p:sldIdLst>
     <p:sldId id="256" r:id="rId2"/>
@@ -15,18 +15,19 @@
     <p:sldId id="263" r:id="rId6"/>
     <p:sldId id="264" r:id="rId7"/>
     <p:sldId id="265" r:id="rId8"/>
-    <p:sldId id="266" r:id="rId9"/>
-    <p:sldId id="279" r:id="rId10"/>
-    <p:sldId id="268" r:id="rId11"/>
-    <p:sldId id="269" r:id="rId12"/>
-    <p:sldId id="270" r:id="rId13"/>
-    <p:sldId id="271" r:id="rId14"/>
-    <p:sldId id="277" r:id="rId15"/>
-    <p:sldId id="278" r:id="rId16"/>
-    <p:sldId id="272" r:id="rId17"/>
-    <p:sldId id="273" r:id="rId18"/>
-    <p:sldId id="274" r:id="rId19"/>
-    <p:sldId id="275" r:id="rId20"/>
+    <p:sldId id="276" r:id="rId9"/>
+    <p:sldId id="266" r:id="rId10"/>
+    <p:sldId id="279" r:id="rId11"/>
+    <p:sldId id="268" r:id="rId12"/>
+    <p:sldId id="269" r:id="rId13"/>
+    <p:sldId id="270" r:id="rId14"/>
+    <p:sldId id="271" r:id="rId15"/>
+    <p:sldId id="277" r:id="rId16"/>
+    <p:sldId id="278" r:id="rId17"/>
+    <p:sldId id="272" r:id="rId18"/>
+    <p:sldId id="273" r:id="rId19"/>
+    <p:sldId id="274" r:id="rId20"/>
+    <p:sldId id="275" r:id="rId21"/>
   </p:sldIdLst>
   <p:sldSz cx="12192000" cy="6858000"/>
   <p:notesSz cx="6858000" cy="9144000"/>
@@ -631,7 +632,7 @@
           <a:p>
             <a:fld id="{5AB93D60-1031-4ED5-AA9A-C0059EBF75F9}" type="slidenum">
               <a:rPr lang="en-US" smtClean="0"/>
-              <a:t>19</a:t>
+              <a:t>20</a:t>
             </a:fld>
             <a:endParaRPr lang="en-US"/>
           </a:p>
@@ -889,7 +890,7 @@
           <a:p>
             <a:fld id="{5AB93D60-1031-4ED5-AA9A-C0059EBF75F9}" type="slidenum">
               <a:rPr lang="en-US" smtClean="0"/>
-              <a:t>8</a:t>
+              <a:t>9</a:t>
             </a:fld>
             <a:endParaRPr lang="en-US"/>
           </a:p>
@@ -998,7 +999,7 @@
           <a:p>
             <a:fld id="{908043BC-8CBE-497F-B2E9-9D3DF42BF600}" type="slidenum">
               <a:rPr lang="en-US" smtClean="0"/>
-              <a:t>9</a:t>
+              <a:t>10</a:t>
             </a:fld>
             <a:endParaRPr lang="en-US"/>
           </a:p>
@@ -1082,7 +1083,7 @@
           <a:p>
             <a:fld id="{5AB93D60-1031-4ED5-AA9A-C0059EBF75F9}" type="slidenum">
               <a:rPr lang="en-US" smtClean="0"/>
-              <a:t>12</a:t>
+              <a:t>13</a:t>
             </a:fld>
             <a:endParaRPr lang="en-US"/>
           </a:p>
@@ -1169,7 +1170,7 @@
           <a:p>
             <a:fld id="{5AB93D60-1031-4ED5-AA9A-C0059EBF75F9}" type="slidenum">
               <a:rPr lang="en-US" smtClean="0"/>
-              <a:t>13</a:t>
+              <a:t>14</a:t>
             </a:fld>
             <a:endParaRPr lang="en-US"/>
           </a:p>
@@ -1256,7 +1257,7 @@
           <a:p>
             <a:fld id="{5AB93D60-1031-4ED5-AA9A-C0059EBF75F9}" type="slidenum">
               <a:rPr lang="en-US" smtClean="0"/>
-              <a:t>14</a:t>
+              <a:t>15</a:t>
             </a:fld>
             <a:endParaRPr lang="en-US"/>
           </a:p>
@@ -1343,7 +1344,7 @@
           <a:p>
             <a:fld id="{5AB93D60-1031-4ED5-AA9A-C0059EBF75F9}" type="slidenum">
               <a:rPr lang="en-US" smtClean="0"/>
-              <a:t>18</a:t>
+              <a:t>19</a:t>
             </a:fld>
             <a:endParaRPr lang="en-US"/>
           </a:p>
@@ -5281,6 +5282,138 @@
           <a:chExt cx="0" cy="0"/>
         </a:xfrm>
       </p:grpSpPr>
+      <p:pic>
+        <p:nvPicPr>
+          <p:cNvPr id="2" name="Picture 1" descr="A screenshot of a video game&#10;&#10;Description automatically generated">
+            <a:extLst>
+              <a:ext uri="{FF2B5EF4-FFF2-40B4-BE49-F238E27FC236}">
+                <a16:creationId xmlns:a16="http://schemas.microsoft.com/office/drawing/2014/main" id="{AC24CBA5-CA13-E4AB-F1D9-F0040C80105E}"/>
+              </a:ext>
+            </a:extLst>
+          </p:cNvPr>
+          <p:cNvPicPr>
+            <a:picLocks noChangeAspect="1"/>
+          </p:cNvPicPr>
+          <p:nvPr/>
+        </p:nvPicPr>
+        <p:blipFill>
+          <a:blip r:embed="rId3"/>
+          <a:stretch>
+            <a:fillRect/>
+          </a:stretch>
+        </p:blipFill>
+        <p:spPr>
+          <a:xfrm>
+            <a:off x="658235" y="2091665"/>
+            <a:ext cx="3491470" cy="3421208"/>
+          </a:xfrm>
+          <a:prstGeom prst="rect">
+            <a:avLst/>
+          </a:prstGeom>
+        </p:spPr>
+      </p:pic>
+      <p:pic>
+        <p:nvPicPr>
+          <p:cNvPr id="4" name="Picture 3">
+            <a:extLst>
+              <a:ext uri="{FF2B5EF4-FFF2-40B4-BE49-F238E27FC236}">
+                <a16:creationId xmlns:a16="http://schemas.microsoft.com/office/drawing/2014/main" id="{EE3B8961-9139-4D00-C679-6DB930F447FD}"/>
+              </a:ext>
+            </a:extLst>
+          </p:cNvPr>
+          <p:cNvPicPr>
+            <a:picLocks noChangeAspect="1"/>
+          </p:cNvPicPr>
+          <p:nvPr/>
+        </p:nvPicPr>
+        <p:blipFill>
+          <a:blip r:embed="rId4"/>
+          <a:stretch>
+            <a:fillRect/>
+          </a:stretch>
+        </p:blipFill>
+        <p:spPr>
+          <a:xfrm>
+            <a:off x="4973053" y="2091665"/>
+            <a:ext cx="6897597" cy="3421208"/>
+          </a:xfrm>
+          <a:prstGeom prst="rect">
+            <a:avLst/>
+          </a:prstGeom>
+        </p:spPr>
+      </p:pic>
+      <p:sp>
+        <p:nvSpPr>
+          <p:cNvPr id="5" name="TextBox 4">
+            <a:extLst>
+              <a:ext uri="{FF2B5EF4-FFF2-40B4-BE49-F238E27FC236}">
+                <a16:creationId xmlns:a16="http://schemas.microsoft.com/office/drawing/2014/main" id="{FA96A063-79BB-1C3B-D120-2467A7FB045F}"/>
+              </a:ext>
+            </a:extLst>
+          </p:cNvPr>
+          <p:cNvSpPr txBox="1"/>
+          <p:nvPr/>
+        </p:nvSpPr>
+        <p:spPr>
+          <a:xfrm>
+            <a:off x="2534652" y="240631"/>
+            <a:ext cx="7122695" cy="1488100"/>
+          </a:xfrm>
+          <a:prstGeom prst="rect">
+            <a:avLst/>
+          </a:prstGeom>
+          <a:noFill/>
+        </p:spPr>
+        <p:txBody>
+          <a:bodyPr wrap="square" rtlCol="0">
+            <a:spAutoFit/>
+          </a:bodyPr>
+          <a:lstStyle/>
+          <a:p>
+            <a:pPr algn="ctr"/>
+            <a:r>
+              <a:rPr lang="en-US" sz="9070" b="1" dirty="0">
+                <a:ln/>
+                <a:solidFill>
+                  <a:schemeClr val="accent4"/>
+                </a:solidFill>
+                <a:latin typeface="+mj-lt"/>
+              </a:rPr>
+              <a:t>Join The Class</a:t>
+            </a:r>
+          </a:p>
+        </p:txBody>
+      </p:sp>
+    </p:spTree>
+    <p:extLst>
+      <p:ext uri="{BB962C8B-B14F-4D97-AF65-F5344CB8AC3E}">
+        <p14:creationId xmlns:p14="http://schemas.microsoft.com/office/powerpoint/2010/main" val="2842901205"/>
+      </p:ext>
+    </p:extLst>
+  </p:cSld>
+  <p:clrMapOvr>
+    <a:masterClrMapping/>
+  </p:clrMapOvr>
+</p:sld>
+</file>
+
+<file path=ppt/slides/slide11.xml><?xml version="1.0" encoding="utf-8"?>
+<p:sld xmlns:a="http://schemas.openxmlformats.org/drawingml/2006/main" xmlns:r="http://schemas.openxmlformats.org/officeDocument/2006/relationships" xmlns:p="http://schemas.openxmlformats.org/presentationml/2006/main">
+  <p:cSld>
+    <p:spTree>
+      <p:nvGrpSpPr>
+        <p:cNvPr id="1" name=""/>
+        <p:cNvGrpSpPr/>
+        <p:nvPr/>
+      </p:nvGrpSpPr>
+      <p:grpSpPr>
+        <a:xfrm>
+          <a:off x="0" y="0"/>
+          <a:ext cx="0" cy="0"/>
+          <a:chOff x="0" y="0"/>
+          <a:chExt cx="0" cy="0"/>
+        </a:xfrm>
+      </p:grpSpPr>
       <p:sp>
         <p:nvSpPr>
           <p:cNvPr id="2" name="object 2"/>
@@ -5471,7 +5604,7 @@
 </p:sld>
 </file>
 
-<file path=ppt/slides/slide11.xml><?xml version="1.0" encoding="utf-8"?>
+<file path=ppt/slides/slide12.xml><?xml version="1.0" encoding="utf-8"?>
 <p:sld xmlns:a="http://schemas.openxmlformats.org/drawingml/2006/main" xmlns:r="http://schemas.openxmlformats.org/officeDocument/2006/relationships" xmlns:p="http://schemas.openxmlformats.org/presentationml/2006/main">
   <p:cSld>
     <p:spTree>
@@ -5582,7 +5715,7 @@
 </p:sld>
 </file>
 
-<file path=ppt/slides/slide12.xml><?xml version="1.0" encoding="utf-8"?>
+<file path=ppt/slides/slide13.xml><?xml version="1.0" encoding="utf-8"?>
 <p:sld xmlns:a="http://schemas.openxmlformats.org/drawingml/2006/main" xmlns:r="http://schemas.openxmlformats.org/officeDocument/2006/relationships" xmlns:p="http://schemas.openxmlformats.org/presentationml/2006/main">
   <p:cSld>
     <p:spTree>
@@ -6353,7 +6486,7 @@
 </p:sld>
 </file>
 
-<file path=ppt/slides/slide13.xml><?xml version="1.0" encoding="utf-8"?>
+<file path=ppt/slides/slide14.xml><?xml version="1.0" encoding="utf-8"?>
 <p:sld xmlns:a="http://schemas.openxmlformats.org/drawingml/2006/main" xmlns:r="http://schemas.openxmlformats.org/officeDocument/2006/relationships" xmlns:p="http://schemas.openxmlformats.org/presentationml/2006/main">
   <p:cSld>
     <p:spTree>
@@ -6897,7 +7030,7 @@
 </p:sld>
 </file>
 
-<file path=ppt/slides/slide14.xml><?xml version="1.0" encoding="utf-8"?>
+<file path=ppt/slides/slide15.xml><?xml version="1.0" encoding="utf-8"?>
 <p:sld xmlns:a="http://schemas.openxmlformats.org/drawingml/2006/main" xmlns:r="http://schemas.openxmlformats.org/officeDocument/2006/relationships" xmlns:p="http://schemas.openxmlformats.org/presentationml/2006/main">
   <p:cSld>
     <p:spTree>
@@ -6982,7 +7115,7 @@
 </p:sld>
 </file>
 
-<file path=ppt/slides/slide15.xml><?xml version="1.0" encoding="utf-8"?>
+<file path=ppt/slides/slide16.xml><?xml version="1.0" encoding="utf-8"?>
 <p:sld xmlns:a="http://schemas.openxmlformats.org/drawingml/2006/main" xmlns:r="http://schemas.openxmlformats.org/officeDocument/2006/relationships" xmlns:p="http://schemas.openxmlformats.org/presentationml/2006/main">
   <p:cSld>
     <p:spTree>
@@ -7459,7 +7592,7 @@
 </p:sld>
 </file>
 
-<file path=ppt/slides/slide16.xml><?xml version="1.0" encoding="utf-8"?>
+<file path=ppt/slides/slide17.xml><?xml version="1.0" encoding="utf-8"?>
 <p:sld xmlns:a="http://schemas.openxmlformats.org/drawingml/2006/main" xmlns:r="http://schemas.openxmlformats.org/officeDocument/2006/relationships" xmlns:p="http://schemas.openxmlformats.org/presentationml/2006/main">
   <p:cSld>
     <p:spTree>
@@ -7709,7 +7842,7 @@
 </p:sld>
 </file>
 
-<file path=ppt/slides/slide17.xml><?xml version="1.0" encoding="utf-8"?>
+<file path=ppt/slides/slide18.xml><?xml version="1.0" encoding="utf-8"?>
 <p:sld xmlns:a="http://schemas.openxmlformats.org/drawingml/2006/main" xmlns:r="http://schemas.openxmlformats.org/officeDocument/2006/relationships" xmlns:p="http://schemas.openxmlformats.org/presentationml/2006/main">
   <p:cSld>
     <p:spTree>
@@ -8353,7 +8486,7 @@
 </p:sld>
 </file>
 
-<file path=ppt/slides/slide18.xml><?xml version="1.0" encoding="utf-8"?>
+<file path=ppt/slides/slide19.xml><?xml version="1.0" encoding="utf-8"?>
 <p:sld xmlns:a="http://schemas.openxmlformats.org/drawingml/2006/main" xmlns:r="http://schemas.openxmlformats.org/officeDocument/2006/relationships" xmlns:p="http://schemas.openxmlformats.org/presentationml/2006/main">
   <p:cSld>
     <p:spTree>
@@ -9093,476 +9226,6 @@
 </p:sld>
 </file>
 
-<file path=ppt/slides/slide19.xml><?xml version="1.0" encoding="utf-8"?>
-<p:sld xmlns:a="http://schemas.openxmlformats.org/drawingml/2006/main" xmlns:r="http://schemas.openxmlformats.org/officeDocument/2006/relationships" xmlns:p="http://schemas.openxmlformats.org/presentationml/2006/main">
-  <p:cSld>
-    <p:spTree>
-      <p:nvGrpSpPr>
-        <p:cNvPr id="1" name=""/>
-        <p:cNvGrpSpPr/>
-        <p:nvPr/>
-      </p:nvGrpSpPr>
-      <p:grpSpPr>
-        <a:xfrm>
-          <a:off x="0" y="0"/>
-          <a:ext cx="0" cy="0"/>
-          <a:chOff x="0" y="0"/>
-          <a:chExt cx="0" cy="0"/>
-        </a:xfrm>
-      </p:grpSpPr>
-      <p:sp>
-        <p:nvSpPr>
-          <p:cNvPr id="2" name="object 2"/>
-          <p:cNvSpPr txBox="1">
-            <a:spLocks noGrp="1"/>
-          </p:cNvSpPr>
-          <p:nvPr>
-            <p:ph type="title"/>
-          </p:nvPr>
-        </p:nvSpPr>
-        <p:spPr>
-          <a:xfrm>
-            <a:off x="1117600" y="1015744"/>
-            <a:ext cx="14020800" cy="709596"/>
-          </a:xfrm>
-          <a:prstGeom prst="rect">
-            <a:avLst/>
-          </a:prstGeom>
-        </p:spPr>
-        <p:txBody>
-          <a:bodyPr vert="horz" wrap="square" lIns="0" tIns="16933" rIns="0" bIns="0" rtlCol="0" anchor="ctr">
-            <a:spAutoFit/>
-          </a:bodyPr>
-          <a:lstStyle/>
-          <a:p>
-            <a:pPr marL="16933">
-              <a:lnSpc>
-                <a:spcPct val="100000"/>
-              </a:lnSpc>
-              <a:spcBef>
-                <a:spcPts val="133"/>
-              </a:spcBef>
-            </a:pPr>
-            <a:r>
-              <a:rPr sz="4500" spc="93" dirty="0"/>
-              <a:t>Challenge</a:t>
-            </a:r>
-            <a:r>
-              <a:rPr spc="113" dirty="0"/>
-              <a:t>!</a:t>
-            </a:r>
-          </a:p>
-        </p:txBody>
-      </p:sp>
-      <p:sp>
-        <p:nvSpPr>
-          <p:cNvPr id="3" name="object 3"/>
-          <p:cNvSpPr txBox="1"/>
-          <p:nvPr/>
-        </p:nvSpPr>
-        <p:spPr>
-          <a:xfrm>
-            <a:off x="713965" y="1724419"/>
-            <a:ext cx="8600440" cy="2089525"/>
-          </a:xfrm>
-          <a:prstGeom prst="rect">
-            <a:avLst/>
-          </a:prstGeom>
-        </p:spPr>
-        <p:txBody>
-          <a:bodyPr vert="horz" wrap="square" lIns="0" tIns="16933" rIns="0" bIns="0" rtlCol="0">
-            <a:spAutoFit/>
-          </a:bodyPr>
-          <a:lstStyle/>
-          <a:p>
-            <a:pPr marL="16933">
-              <a:spcBef>
-                <a:spcPts val="133"/>
-              </a:spcBef>
-              <a:tabLst>
-                <a:tab pos="659537" algn="l"/>
-              </a:tabLst>
-            </a:pPr>
-            <a:r>
-              <a:rPr sz="2667" dirty="0">
-                <a:solidFill>
-                  <a:schemeClr val="bg1"/>
-                </a:solidFill>
-                <a:latin typeface="MS PGothic"/>
-                <a:cs typeface="MS PGothic"/>
-              </a:rPr>
-              <a:t>❏	</a:t>
-            </a:r>
-            <a:r>
-              <a:rPr sz="2667" spc="-27" dirty="0">
-                <a:solidFill>
-                  <a:schemeClr val="bg1"/>
-                </a:solidFill>
-                <a:latin typeface="Trebuchet MS"/>
-                <a:cs typeface="Trebuchet MS"/>
-              </a:rPr>
-              <a:t>Create</a:t>
-            </a:r>
-            <a:r>
-              <a:rPr sz="2667" spc="-133" dirty="0">
-                <a:solidFill>
-                  <a:schemeClr val="bg1"/>
-                </a:solidFill>
-                <a:latin typeface="Trebuchet MS"/>
-                <a:cs typeface="Trebuchet MS"/>
-              </a:rPr>
-              <a:t> </a:t>
-            </a:r>
-            <a:r>
-              <a:rPr sz="2667" spc="-20" dirty="0">
-                <a:solidFill>
-                  <a:schemeClr val="bg1"/>
-                </a:solidFill>
-                <a:latin typeface="Trebuchet MS"/>
-                <a:cs typeface="Trebuchet MS"/>
-              </a:rPr>
-              <a:t>your</a:t>
-            </a:r>
-            <a:r>
-              <a:rPr sz="2667" spc="-127" dirty="0">
-                <a:solidFill>
-                  <a:schemeClr val="bg1"/>
-                </a:solidFill>
-                <a:latin typeface="Trebuchet MS"/>
-                <a:cs typeface="Trebuchet MS"/>
-              </a:rPr>
-              <a:t> </a:t>
-            </a:r>
-            <a:r>
-              <a:rPr sz="2667" spc="20" dirty="0">
-                <a:solidFill>
-                  <a:schemeClr val="bg1"/>
-                </a:solidFill>
-                <a:latin typeface="Trebuchet MS"/>
-                <a:cs typeface="Trebuchet MS"/>
-              </a:rPr>
-              <a:t>own</a:t>
-            </a:r>
-            <a:r>
-              <a:rPr sz="2667" spc="-127" dirty="0">
-                <a:solidFill>
-                  <a:schemeClr val="bg1"/>
-                </a:solidFill>
-                <a:latin typeface="Trebuchet MS"/>
-                <a:cs typeface="Trebuchet MS"/>
-              </a:rPr>
-              <a:t> </a:t>
-            </a:r>
-            <a:r>
-              <a:rPr sz="2667" spc="-53" dirty="0">
-                <a:solidFill>
-                  <a:schemeClr val="bg1"/>
-                </a:solidFill>
-                <a:latin typeface="Trebuchet MS"/>
-                <a:cs typeface="Trebuchet MS"/>
-              </a:rPr>
-              <a:t>program!</a:t>
-            </a:r>
-            <a:endParaRPr sz="2667" dirty="0">
-              <a:solidFill>
-                <a:schemeClr val="bg1"/>
-              </a:solidFill>
-              <a:latin typeface="Trebuchet MS"/>
-              <a:cs typeface="Trebuchet MS"/>
-            </a:endParaRPr>
-          </a:p>
-          <a:p>
-            <a:pPr>
-              <a:spcBef>
-                <a:spcPts val="20"/>
-              </a:spcBef>
-            </a:pPr>
-            <a:endParaRPr sz="2733" dirty="0">
-              <a:solidFill>
-                <a:schemeClr val="bg1"/>
-              </a:solidFill>
-              <a:latin typeface="Trebuchet MS"/>
-              <a:cs typeface="Trebuchet MS"/>
-            </a:endParaRPr>
-          </a:p>
-          <a:p>
-            <a:pPr marL="16933">
-              <a:spcBef>
-                <a:spcPts val="7"/>
-              </a:spcBef>
-              <a:tabLst>
-                <a:tab pos="659537" algn="l"/>
-              </a:tabLst>
-            </a:pPr>
-            <a:r>
-              <a:rPr sz="2667" dirty="0">
-                <a:solidFill>
-                  <a:schemeClr val="bg1"/>
-                </a:solidFill>
-                <a:latin typeface="MS PGothic"/>
-                <a:cs typeface="MS PGothic"/>
-              </a:rPr>
-              <a:t>❏	</a:t>
-            </a:r>
-            <a:r>
-              <a:rPr sz="2667" spc="-7" dirty="0">
-                <a:solidFill>
-                  <a:schemeClr val="bg1"/>
-                </a:solidFill>
-                <a:latin typeface="Trebuchet MS"/>
-                <a:cs typeface="Trebuchet MS"/>
-              </a:rPr>
-              <a:t>Grab</a:t>
-            </a:r>
-            <a:r>
-              <a:rPr sz="2667" spc="-140" dirty="0">
-                <a:solidFill>
-                  <a:schemeClr val="bg1"/>
-                </a:solidFill>
-                <a:latin typeface="Trebuchet MS"/>
-                <a:cs typeface="Trebuchet MS"/>
-              </a:rPr>
-              <a:t> </a:t>
-            </a:r>
-            <a:r>
-              <a:rPr sz="2667" spc="60" dirty="0">
-                <a:solidFill>
-                  <a:schemeClr val="bg1"/>
-                </a:solidFill>
-                <a:latin typeface="Trebuchet MS"/>
-                <a:cs typeface="Trebuchet MS"/>
-              </a:rPr>
-              <a:t>cones</a:t>
-            </a:r>
-            <a:r>
-              <a:rPr sz="2667" spc="-140" dirty="0">
-                <a:solidFill>
-                  <a:schemeClr val="bg1"/>
-                </a:solidFill>
-                <a:latin typeface="Trebuchet MS"/>
-                <a:cs typeface="Trebuchet MS"/>
-              </a:rPr>
-              <a:t> </a:t>
-            </a:r>
-            <a:r>
-              <a:rPr sz="2667" spc="20" dirty="0">
-                <a:solidFill>
-                  <a:schemeClr val="bg1"/>
-                </a:solidFill>
-                <a:latin typeface="Trebuchet MS"/>
-                <a:cs typeface="Trebuchet MS"/>
-              </a:rPr>
-              <a:t>and</a:t>
-            </a:r>
-            <a:r>
-              <a:rPr sz="2667" spc="-133" dirty="0">
-                <a:solidFill>
-                  <a:schemeClr val="bg1"/>
-                </a:solidFill>
-                <a:latin typeface="Trebuchet MS"/>
-                <a:cs typeface="Trebuchet MS"/>
-              </a:rPr>
-              <a:t> </a:t>
-            </a:r>
-            <a:r>
-              <a:rPr sz="2667" spc="-7" dirty="0">
-                <a:solidFill>
-                  <a:schemeClr val="bg1"/>
-                </a:solidFill>
-                <a:latin typeface="Trebuchet MS"/>
-                <a:cs typeface="Trebuchet MS"/>
-              </a:rPr>
-              <a:t>ramps</a:t>
-            </a:r>
-            <a:endParaRPr sz="2667" dirty="0">
-              <a:solidFill>
-                <a:schemeClr val="bg1"/>
-              </a:solidFill>
-              <a:latin typeface="Trebuchet MS"/>
-              <a:cs typeface="Trebuchet MS"/>
-            </a:endParaRPr>
-          </a:p>
-          <a:p>
-            <a:pPr>
-              <a:spcBef>
-                <a:spcPts val="20"/>
-              </a:spcBef>
-            </a:pPr>
-            <a:endParaRPr sz="2733" dirty="0">
-              <a:solidFill>
-                <a:schemeClr val="bg1"/>
-              </a:solidFill>
-              <a:latin typeface="Trebuchet MS"/>
-              <a:cs typeface="Trebuchet MS"/>
-            </a:endParaRPr>
-          </a:p>
-          <a:p>
-            <a:pPr marL="16933">
-              <a:spcBef>
-                <a:spcPts val="7"/>
-              </a:spcBef>
-              <a:tabLst>
-                <a:tab pos="659537" algn="l"/>
-              </a:tabLst>
-            </a:pPr>
-            <a:r>
-              <a:rPr sz="2667" dirty="0">
-                <a:solidFill>
-                  <a:schemeClr val="bg1"/>
-                </a:solidFill>
-                <a:latin typeface="MS PGothic"/>
-                <a:cs typeface="MS PGothic"/>
-              </a:rPr>
-              <a:t>❏	</a:t>
-            </a:r>
-            <a:r>
-              <a:rPr sz="2667" spc="-339" dirty="0">
-                <a:solidFill>
-                  <a:schemeClr val="bg1"/>
-                </a:solidFill>
-                <a:latin typeface="Trebuchet MS"/>
-                <a:cs typeface="Trebuchet MS"/>
-              </a:rPr>
-              <a:t>T</a:t>
-            </a:r>
-            <a:r>
-              <a:rPr sz="2667" spc="-7" dirty="0">
-                <a:solidFill>
-                  <a:schemeClr val="bg1"/>
-                </a:solidFill>
-                <a:latin typeface="Trebuchet MS"/>
-                <a:cs typeface="Trebuchet MS"/>
-              </a:rPr>
-              <a:t>eam</a:t>
-            </a:r>
-            <a:r>
-              <a:rPr sz="2667" spc="-120" dirty="0">
-                <a:solidFill>
-                  <a:schemeClr val="bg1"/>
-                </a:solidFill>
-                <a:latin typeface="Trebuchet MS"/>
-                <a:cs typeface="Trebuchet MS"/>
-              </a:rPr>
-              <a:t> </a:t>
-            </a:r>
-            <a:r>
-              <a:rPr sz="2667" spc="-113" dirty="0">
-                <a:solidFill>
-                  <a:schemeClr val="bg1"/>
-                </a:solidFill>
-                <a:latin typeface="Trebuchet MS"/>
-                <a:cs typeface="Trebuchet MS"/>
-              </a:rPr>
-              <a:t>with</a:t>
-            </a:r>
-            <a:r>
-              <a:rPr sz="2667" spc="-120" dirty="0">
-                <a:solidFill>
-                  <a:schemeClr val="bg1"/>
-                </a:solidFill>
-                <a:latin typeface="Trebuchet MS"/>
-                <a:cs typeface="Trebuchet MS"/>
-              </a:rPr>
-              <a:t> </a:t>
-            </a:r>
-            <a:r>
-              <a:rPr sz="2667" spc="-20" dirty="0">
-                <a:solidFill>
-                  <a:schemeClr val="bg1"/>
-                </a:solidFill>
-                <a:latin typeface="Trebuchet MS"/>
-                <a:cs typeface="Trebuchet MS"/>
-              </a:rPr>
-              <a:t>most</a:t>
-            </a:r>
-            <a:r>
-              <a:rPr sz="2667" spc="-120" dirty="0">
-                <a:solidFill>
-                  <a:schemeClr val="bg1"/>
-                </a:solidFill>
-                <a:latin typeface="Trebuchet MS"/>
-                <a:cs typeface="Trebuchet MS"/>
-              </a:rPr>
-              <a:t> </a:t>
-            </a:r>
-            <a:r>
-              <a:rPr sz="2667" spc="-67" dirty="0">
-                <a:solidFill>
-                  <a:schemeClr val="bg1"/>
-                </a:solidFill>
-                <a:latin typeface="Trebuchet MS"/>
-                <a:cs typeface="Trebuchet MS"/>
-              </a:rPr>
-              <a:t>creative</a:t>
-            </a:r>
-            <a:r>
-              <a:rPr sz="2667" spc="-120" dirty="0">
-                <a:solidFill>
-                  <a:schemeClr val="bg1"/>
-                </a:solidFill>
-                <a:latin typeface="Trebuchet MS"/>
-                <a:cs typeface="Trebuchet MS"/>
-              </a:rPr>
-              <a:t> </a:t>
-            </a:r>
-            <a:r>
-              <a:rPr sz="2667" spc="-7" dirty="0">
-                <a:solidFill>
-                  <a:schemeClr val="bg1"/>
-                </a:solidFill>
-                <a:latin typeface="Trebuchet MS"/>
-                <a:cs typeface="Trebuchet MS"/>
-              </a:rPr>
-              <a:t>program</a:t>
-            </a:r>
-            <a:r>
-              <a:rPr sz="2667" spc="-120" dirty="0">
-                <a:solidFill>
-                  <a:schemeClr val="bg1"/>
-                </a:solidFill>
-                <a:latin typeface="Trebuchet MS"/>
-                <a:cs typeface="Trebuchet MS"/>
-              </a:rPr>
-              <a:t> </a:t>
-            </a:r>
-            <a:r>
-              <a:rPr sz="2667" spc="-147" dirty="0">
-                <a:solidFill>
-                  <a:schemeClr val="bg1"/>
-                </a:solidFill>
-                <a:latin typeface="Trebuchet MS"/>
-                <a:cs typeface="Trebuchet MS"/>
-              </a:rPr>
-              <a:t>w</a:t>
-            </a:r>
-            <a:r>
-              <a:rPr lang="en-US" sz="2667" spc="-147" dirty="0">
-                <a:solidFill>
-                  <a:schemeClr val="bg1"/>
-                </a:solidFill>
-                <a:latin typeface="Trebuchet MS"/>
-                <a:cs typeface="Trebuchet MS"/>
-              </a:rPr>
-              <a:t>ins!</a:t>
-            </a:r>
-            <a:endParaRPr sz="2667" dirty="0">
-              <a:solidFill>
-                <a:schemeClr val="bg1"/>
-              </a:solidFill>
-              <a:latin typeface="Trebuchet MS"/>
-              <a:cs typeface="Trebuchet MS"/>
-            </a:endParaRPr>
-          </a:p>
-        </p:txBody>
-      </p:sp>
-    </p:spTree>
-  </p:cSld>
-  <p:clrMapOvr>
-    <a:masterClrMapping/>
-  </p:clrMapOvr>
-</p:sld>
-</file>
-
 <file path=ppt/slides/slide2.xml><?xml version="1.0" encoding="utf-8"?>
 <p:sld xmlns:a="http://schemas.openxmlformats.org/drawingml/2006/main" xmlns:r="http://schemas.openxmlformats.org/officeDocument/2006/relationships" xmlns:p="http://schemas.openxmlformats.org/presentationml/2006/main">
   <p:cSld>
@@ -9727,6 +9390,476 @@
           </a:p>
           <a:p>
             <a:endParaRPr lang="en-US" sz="2400" dirty="0"/>
+          </a:p>
+        </p:txBody>
+      </p:sp>
+    </p:spTree>
+  </p:cSld>
+  <p:clrMapOvr>
+    <a:masterClrMapping/>
+  </p:clrMapOvr>
+</p:sld>
+</file>
+
+<file path=ppt/slides/slide20.xml><?xml version="1.0" encoding="utf-8"?>
+<p:sld xmlns:a="http://schemas.openxmlformats.org/drawingml/2006/main" xmlns:r="http://schemas.openxmlformats.org/officeDocument/2006/relationships" xmlns:p="http://schemas.openxmlformats.org/presentationml/2006/main">
+  <p:cSld>
+    <p:spTree>
+      <p:nvGrpSpPr>
+        <p:cNvPr id="1" name=""/>
+        <p:cNvGrpSpPr/>
+        <p:nvPr/>
+      </p:nvGrpSpPr>
+      <p:grpSpPr>
+        <a:xfrm>
+          <a:off x="0" y="0"/>
+          <a:ext cx="0" cy="0"/>
+          <a:chOff x="0" y="0"/>
+          <a:chExt cx="0" cy="0"/>
+        </a:xfrm>
+      </p:grpSpPr>
+      <p:sp>
+        <p:nvSpPr>
+          <p:cNvPr id="2" name="object 2"/>
+          <p:cNvSpPr txBox="1">
+            <a:spLocks noGrp="1"/>
+          </p:cNvSpPr>
+          <p:nvPr>
+            <p:ph type="title"/>
+          </p:nvPr>
+        </p:nvSpPr>
+        <p:spPr>
+          <a:xfrm>
+            <a:off x="1117600" y="1015744"/>
+            <a:ext cx="14020800" cy="709596"/>
+          </a:xfrm>
+          <a:prstGeom prst="rect">
+            <a:avLst/>
+          </a:prstGeom>
+        </p:spPr>
+        <p:txBody>
+          <a:bodyPr vert="horz" wrap="square" lIns="0" tIns="16933" rIns="0" bIns="0" rtlCol="0" anchor="ctr">
+            <a:spAutoFit/>
+          </a:bodyPr>
+          <a:lstStyle/>
+          <a:p>
+            <a:pPr marL="16933">
+              <a:lnSpc>
+                <a:spcPct val="100000"/>
+              </a:lnSpc>
+              <a:spcBef>
+                <a:spcPts val="133"/>
+              </a:spcBef>
+            </a:pPr>
+            <a:r>
+              <a:rPr sz="4500" spc="93" dirty="0"/>
+              <a:t>Challenge</a:t>
+            </a:r>
+            <a:r>
+              <a:rPr spc="113" dirty="0"/>
+              <a:t>!</a:t>
+            </a:r>
+          </a:p>
+        </p:txBody>
+      </p:sp>
+      <p:sp>
+        <p:nvSpPr>
+          <p:cNvPr id="3" name="object 3"/>
+          <p:cNvSpPr txBox="1"/>
+          <p:nvPr/>
+        </p:nvSpPr>
+        <p:spPr>
+          <a:xfrm>
+            <a:off x="713965" y="1724419"/>
+            <a:ext cx="8600440" cy="2089525"/>
+          </a:xfrm>
+          <a:prstGeom prst="rect">
+            <a:avLst/>
+          </a:prstGeom>
+        </p:spPr>
+        <p:txBody>
+          <a:bodyPr vert="horz" wrap="square" lIns="0" tIns="16933" rIns="0" bIns="0" rtlCol="0">
+            <a:spAutoFit/>
+          </a:bodyPr>
+          <a:lstStyle/>
+          <a:p>
+            <a:pPr marL="16933">
+              <a:spcBef>
+                <a:spcPts val="133"/>
+              </a:spcBef>
+              <a:tabLst>
+                <a:tab pos="659537" algn="l"/>
+              </a:tabLst>
+            </a:pPr>
+            <a:r>
+              <a:rPr sz="2667" dirty="0">
+                <a:solidFill>
+                  <a:schemeClr val="bg1"/>
+                </a:solidFill>
+                <a:latin typeface="MS PGothic"/>
+                <a:cs typeface="MS PGothic"/>
+              </a:rPr>
+              <a:t>❏	</a:t>
+            </a:r>
+            <a:r>
+              <a:rPr sz="2667" spc="-27" dirty="0">
+                <a:solidFill>
+                  <a:schemeClr val="bg1"/>
+                </a:solidFill>
+                <a:latin typeface="Trebuchet MS"/>
+                <a:cs typeface="Trebuchet MS"/>
+              </a:rPr>
+              <a:t>Create</a:t>
+            </a:r>
+            <a:r>
+              <a:rPr sz="2667" spc="-133" dirty="0">
+                <a:solidFill>
+                  <a:schemeClr val="bg1"/>
+                </a:solidFill>
+                <a:latin typeface="Trebuchet MS"/>
+                <a:cs typeface="Trebuchet MS"/>
+              </a:rPr>
+              <a:t> </a:t>
+            </a:r>
+            <a:r>
+              <a:rPr sz="2667" spc="-20" dirty="0">
+                <a:solidFill>
+                  <a:schemeClr val="bg1"/>
+                </a:solidFill>
+                <a:latin typeface="Trebuchet MS"/>
+                <a:cs typeface="Trebuchet MS"/>
+              </a:rPr>
+              <a:t>your</a:t>
+            </a:r>
+            <a:r>
+              <a:rPr sz="2667" spc="-127" dirty="0">
+                <a:solidFill>
+                  <a:schemeClr val="bg1"/>
+                </a:solidFill>
+                <a:latin typeface="Trebuchet MS"/>
+                <a:cs typeface="Trebuchet MS"/>
+              </a:rPr>
+              <a:t> </a:t>
+            </a:r>
+            <a:r>
+              <a:rPr sz="2667" spc="20" dirty="0">
+                <a:solidFill>
+                  <a:schemeClr val="bg1"/>
+                </a:solidFill>
+                <a:latin typeface="Trebuchet MS"/>
+                <a:cs typeface="Trebuchet MS"/>
+              </a:rPr>
+              <a:t>own</a:t>
+            </a:r>
+            <a:r>
+              <a:rPr sz="2667" spc="-127" dirty="0">
+                <a:solidFill>
+                  <a:schemeClr val="bg1"/>
+                </a:solidFill>
+                <a:latin typeface="Trebuchet MS"/>
+                <a:cs typeface="Trebuchet MS"/>
+              </a:rPr>
+              <a:t> </a:t>
+            </a:r>
+            <a:r>
+              <a:rPr sz="2667" spc="-53" dirty="0">
+                <a:solidFill>
+                  <a:schemeClr val="bg1"/>
+                </a:solidFill>
+                <a:latin typeface="Trebuchet MS"/>
+                <a:cs typeface="Trebuchet MS"/>
+              </a:rPr>
+              <a:t>program!</a:t>
+            </a:r>
+            <a:endParaRPr sz="2667" dirty="0">
+              <a:solidFill>
+                <a:schemeClr val="bg1"/>
+              </a:solidFill>
+              <a:latin typeface="Trebuchet MS"/>
+              <a:cs typeface="Trebuchet MS"/>
+            </a:endParaRPr>
+          </a:p>
+          <a:p>
+            <a:pPr>
+              <a:spcBef>
+                <a:spcPts val="20"/>
+              </a:spcBef>
+            </a:pPr>
+            <a:endParaRPr sz="2733" dirty="0">
+              <a:solidFill>
+                <a:schemeClr val="bg1"/>
+              </a:solidFill>
+              <a:latin typeface="Trebuchet MS"/>
+              <a:cs typeface="Trebuchet MS"/>
+            </a:endParaRPr>
+          </a:p>
+          <a:p>
+            <a:pPr marL="16933">
+              <a:spcBef>
+                <a:spcPts val="7"/>
+              </a:spcBef>
+              <a:tabLst>
+                <a:tab pos="659537" algn="l"/>
+              </a:tabLst>
+            </a:pPr>
+            <a:r>
+              <a:rPr sz="2667" dirty="0">
+                <a:solidFill>
+                  <a:schemeClr val="bg1"/>
+                </a:solidFill>
+                <a:latin typeface="MS PGothic"/>
+                <a:cs typeface="MS PGothic"/>
+              </a:rPr>
+              <a:t>❏	</a:t>
+            </a:r>
+            <a:r>
+              <a:rPr sz="2667" spc="-7" dirty="0">
+                <a:solidFill>
+                  <a:schemeClr val="bg1"/>
+                </a:solidFill>
+                <a:latin typeface="Trebuchet MS"/>
+                <a:cs typeface="Trebuchet MS"/>
+              </a:rPr>
+              <a:t>Grab</a:t>
+            </a:r>
+            <a:r>
+              <a:rPr sz="2667" spc="-140" dirty="0">
+                <a:solidFill>
+                  <a:schemeClr val="bg1"/>
+                </a:solidFill>
+                <a:latin typeface="Trebuchet MS"/>
+                <a:cs typeface="Trebuchet MS"/>
+              </a:rPr>
+              <a:t> </a:t>
+            </a:r>
+            <a:r>
+              <a:rPr sz="2667" spc="60" dirty="0">
+                <a:solidFill>
+                  <a:schemeClr val="bg1"/>
+                </a:solidFill>
+                <a:latin typeface="Trebuchet MS"/>
+                <a:cs typeface="Trebuchet MS"/>
+              </a:rPr>
+              <a:t>cones</a:t>
+            </a:r>
+            <a:r>
+              <a:rPr sz="2667" spc="-140" dirty="0">
+                <a:solidFill>
+                  <a:schemeClr val="bg1"/>
+                </a:solidFill>
+                <a:latin typeface="Trebuchet MS"/>
+                <a:cs typeface="Trebuchet MS"/>
+              </a:rPr>
+              <a:t> </a:t>
+            </a:r>
+            <a:r>
+              <a:rPr sz="2667" spc="20" dirty="0">
+                <a:solidFill>
+                  <a:schemeClr val="bg1"/>
+                </a:solidFill>
+                <a:latin typeface="Trebuchet MS"/>
+                <a:cs typeface="Trebuchet MS"/>
+              </a:rPr>
+              <a:t>and</a:t>
+            </a:r>
+            <a:r>
+              <a:rPr sz="2667" spc="-133" dirty="0">
+                <a:solidFill>
+                  <a:schemeClr val="bg1"/>
+                </a:solidFill>
+                <a:latin typeface="Trebuchet MS"/>
+                <a:cs typeface="Trebuchet MS"/>
+              </a:rPr>
+              <a:t> </a:t>
+            </a:r>
+            <a:r>
+              <a:rPr sz="2667" spc="-7" dirty="0">
+                <a:solidFill>
+                  <a:schemeClr val="bg1"/>
+                </a:solidFill>
+                <a:latin typeface="Trebuchet MS"/>
+                <a:cs typeface="Trebuchet MS"/>
+              </a:rPr>
+              <a:t>ramps</a:t>
+            </a:r>
+            <a:endParaRPr sz="2667" dirty="0">
+              <a:solidFill>
+                <a:schemeClr val="bg1"/>
+              </a:solidFill>
+              <a:latin typeface="Trebuchet MS"/>
+              <a:cs typeface="Trebuchet MS"/>
+            </a:endParaRPr>
+          </a:p>
+          <a:p>
+            <a:pPr>
+              <a:spcBef>
+                <a:spcPts val="20"/>
+              </a:spcBef>
+            </a:pPr>
+            <a:endParaRPr sz="2733" dirty="0">
+              <a:solidFill>
+                <a:schemeClr val="bg1"/>
+              </a:solidFill>
+              <a:latin typeface="Trebuchet MS"/>
+              <a:cs typeface="Trebuchet MS"/>
+            </a:endParaRPr>
+          </a:p>
+          <a:p>
+            <a:pPr marL="16933">
+              <a:spcBef>
+                <a:spcPts val="7"/>
+              </a:spcBef>
+              <a:tabLst>
+                <a:tab pos="659537" algn="l"/>
+              </a:tabLst>
+            </a:pPr>
+            <a:r>
+              <a:rPr sz="2667" dirty="0">
+                <a:solidFill>
+                  <a:schemeClr val="bg1"/>
+                </a:solidFill>
+                <a:latin typeface="MS PGothic"/>
+                <a:cs typeface="MS PGothic"/>
+              </a:rPr>
+              <a:t>❏	</a:t>
+            </a:r>
+            <a:r>
+              <a:rPr sz="2667" spc="-339" dirty="0">
+                <a:solidFill>
+                  <a:schemeClr val="bg1"/>
+                </a:solidFill>
+                <a:latin typeface="Trebuchet MS"/>
+                <a:cs typeface="Trebuchet MS"/>
+              </a:rPr>
+              <a:t>T</a:t>
+            </a:r>
+            <a:r>
+              <a:rPr sz="2667" spc="-7" dirty="0">
+                <a:solidFill>
+                  <a:schemeClr val="bg1"/>
+                </a:solidFill>
+                <a:latin typeface="Trebuchet MS"/>
+                <a:cs typeface="Trebuchet MS"/>
+              </a:rPr>
+              <a:t>eam</a:t>
+            </a:r>
+            <a:r>
+              <a:rPr sz="2667" spc="-120" dirty="0">
+                <a:solidFill>
+                  <a:schemeClr val="bg1"/>
+                </a:solidFill>
+                <a:latin typeface="Trebuchet MS"/>
+                <a:cs typeface="Trebuchet MS"/>
+              </a:rPr>
+              <a:t> </a:t>
+            </a:r>
+            <a:r>
+              <a:rPr sz="2667" spc="-113" dirty="0">
+                <a:solidFill>
+                  <a:schemeClr val="bg1"/>
+                </a:solidFill>
+                <a:latin typeface="Trebuchet MS"/>
+                <a:cs typeface="Trebuchet MS"/>
+              </a:rPr>
+              <a:t>with</a:t>
+            </a:r>
+            <a:r>
+              <a:rPr sz="2667" spc="-120" dirty="0">
+                <a:solidFill>
+                  <a:schemeClr val="bg1"/>
+                </a:solidFill>
+                <a:latin typeface="Trebuchet MS"/>
+                <a:cs typeface="Trebuchet MS"/>
+              </a:rPr>
+              <a:t> </a:t>
+            </a:r>
+            <a:r>
+              <a:rPr sz="2667" spc="-20" dirty="0">
+                <a:solidFill>
+                  <a:schemeClr val="bg1"/>
+                </a:solidFill>
+                <a:latin typeface="Trebuchet MS"/>
+                <a:cs typeface="Trebuchet MS"/>
+              </a:rPr>
+              <a:t>most</a:t>
+            </a:r>
+            <a:r>
+              <a:rPr sz="2667" spc="-120" dirty="0">
+                <a:solidFill>
+                  <a:schemeClr val="bg1"/>
+                </a:solidFill>
+                <a:latin typeface="Trebuchet MS"/>
+                <a:cs typeface="Trebuchet MS"/>
+              </a:rPr>
+              <a:t> </a:t>
+            </a:r>
+            <a:r>
+              <a:rPr sz="2667" spc="-67" dirty="0">
+                <a:solidFill>
+                  <a:schemeClr val="bg1"/>
+                </a:solidFill>
+                <a:latin typeface="Trebuchet MS"/>
+                <a:cs typeface="Trebuchet MS"/>
+              </a:rPr>
+              <a:t>creative</a:t>
+            </a:r>
+            <a:r>
+              <a:rPr sz="2667" spc="-120" dirty="0">
+                <a:solidFill>
+                  <a:schemeClr val="bg1"/>
+                </a:solidFill>
+                <a:latin typeface="Trebuchet MS"/>
+                <a:cs typeface="Trebuchet MS"/>
+              </a:rPr>
+              <a:t> </a:t>
+            </a:r>
+            <a:r>
+              <a:rPr sz="2667" spc="-7" dirty="0">
+                <a:solidFill>
+                  <a:schemeClr val="bg1"/>
+                </a:solidFill>
+                <a:latin typeface="Trebuchet MS"/>
+                <a:cs typeface="Trebuchet MS"/>
+              </a:rPr>
+              <a:t>program</a:t>
+            </a:r>
+            <a:r>
+              <a:rPr sz="2667" spc="-120" dirty="0">
+                <a:solidFill>
+                  <a:schemeClr val="bg1"/>
+                </a:solidFill>
+                <a:latin typeface="Trebuchet MS"/>
+                <a:cs typeface="Trebuchet MS"/>
+              </a:rPr>
+              <a:t> </a:t>
+            </a:r>
+            <a:r>
+              <a:rPr sz="2667" spc="-147" dirty="0">
+                <a:solidFill>
+                  <a:schemeClr val="bg1"/>
+                </a:solidFill>
+                <a:latin typeface="Trebuchet MS"/>
+                <a:cs typeface="Trebuchet MS"/>
+              </a:rPr>
+              <a:t>w</a:t>
+            </a:r>
+            <a:r>
+              <a:rPr lang="en-US" sz="2667" spc="-147" dirty="0">
+                <a:solidFill>
+                  <a:schemeClr val="bg1"/>
+                </a:solidFill>
+                <a:latin typeface="Trebuchet MS"/>
+                <a:cs typeface="Trebuchet MS"/>
+              </a:rPr>
+              <a:t>ins!</a:t>
+            </a:r>
+            <a:endParaRPr sz="2667" dirty="0">
+              <a:solidFill>
+                <a:schemeClr val="bg1"/>
+              </a:solidFill>
+              <a:latin typeface="Trebuchet MS"/>
+              <a:cs typeface="Trebuchet MS"/>
+            </a:endParaRPr>
           </a:p>
         </p:txBody>
       </p:sp>
@@ -12863,8 +12996,14 @@
       </p:grpSpPr>
       <p:sp>
         <p:nvSpPr>
-          <p:cNvPr id="3" name="object 3"/>
-          <p:cNvSpPr txBox="1">
+          <p:cNvPr id="2" name="Title 1">
+            <a:extLst>
+              <a:ext uri="{FF2B5EF4-FFF2-40B4-BE49-F238E27FC236}">
+                <a16:creationId xmlns:a16="http://schemas.microsoft.com/office/drawing/2014/main" id="{9FCB17E6-4F38-8C33-3C83-96288F8464F4}"/>
+              </a:ext>
+            </a:extLst>
+          </p:cNvPr>
+          <p:cNvSpPr>
             <a:spLocks noGrp="1"/>
           </p:cNvSpPr>
           <p:nvPr>
@@ -12873,61 +13012,93 @@
         </p:nvSpPr>
         <p:spPr>
           <a:xfrm>
-            <a:off x="566734" y="2386477"/>
-            <a:ext cx="10491893" cy="1412224"/>
+            <a:off x="728663" y="1422400"/>
+            <a:ext cx="4505552" cy="2387600"/>
+          </a:xfrm>
+        </p:spPr>
+        <p:txBody>
+          <a:bodyPr vert="horz" lIns="91440" tIns="45720" rIns="91440" bIns="45720" rtlCol="0" anchor="b">
+            <a:normAutofit/>
+          </a:bodyPr>
+          <a:lstStyle/>
+          <a:p>
+            <a:r>
+              <a:rPr lang="en-US" sz="5000">
+                <a:solidFill>
+                  <a:schemeClr val="bg1"/>
+                </a:solidFill>
+              </a:rPr>
+              <a:t>Block Code vs Scripting</a:t>
+            </a:r>
+          </a:p>
+        </p:txBody>
+      </p:sp>
+      <p:pic>
+        <p:nvPicPr>
+          <p:cNvPr id="4" name="Picture 3">
+            <a:extLst>
+              <a:ext uri="{FF2B5EF4-FFF2-40B4-BE49-F238E27FC236}">
+                <a16:creationId xmlns:a16="http://schemas.microsoft.com/office/drawing/2014/main" id="{59E8E2EE-E304-807A-ACBA-C6A36BDA4161}"/>
+              </a:ext>
+            </a:extLst>
+          </p:cNvPr>
+          <p:cNvPicPr>
+            <a:picLocks noChangeAspect="1"/>
+          </p:cNvPicPr>
+          <p:nvPr/>
+        </p:nvPicPr>
+        <p:blipFill>
+          <a:blip r:embed="rId2"/>
+          <a:stretch>
+            <a:fillRect/>
+          </a:stretch>
+        </p:blipFill>
+        <p:spPr>
+          <a:xfrm>
+            <a:off x="8102564" y="1467627"/>
+            <a:ext cx="3694753" cy="3608073"/>
           </a:xfrm>
           <a:prstGeom prst="rect">
             <a:avLst/>
           </a:prstGeom>
         </p:spPr>
-        <p:txBody>
-          <a:bodyPr vert="horz" wrap="square" lIns="0" tIns="16933" rIns="0" bIns="0" rtlCol="0" anchor="ctr">
-            <a:spAutoFit/>
-          </a:bodyPr>
-          <a:lstStyle/>
-          <a:p>
-            <a:pPr marL="16933">
-              <a:lnSpc>
-                <a:spcPct val="100000"/>
-              </a:lnSpc>
-              <a:spcBef>
-                <a:spcPts val="133"/>
-              </a:spcBef>
-            </a:pPr>
-            <a:r>
-              <a:rPr sz="9070" dirty="0">
-                <a:ln/>
-                <a:solidFill>
-                  <a:schemeClr val="accent4"/>
-                </a:solidFill>
-                <a:ea typeface="+mn-ea"/>
-                <a:cs typeface="+mn-cs"/>
-              </a:rPr>
-              <a:t>Split</a:t>
-            </a:r>
-            <a:r>
-              <a:rPr sz="9066" spc="-527" dirty="0">
-                <a:solidFill>
-                  <a:srgbClr val="FFFFFF"/>
-                </a:solidFill>
-              </a:rPr>
-              <a:t> </a:t>
-            </a:r>
-            <a:r>
-              <a:rPr sz="9070" dirty="0">
-                <a:ln/>
-                <a:solidFill>
-                  <a:schemeClr val="accent4"/>
-                </a:solidFill>
-                <a:ea typeface="+mn-ea"/>
-                <a:cs typeface="+mn-cs"/>
-              </a:rPr>
-              <a:t>Into Groups</a:t>
-            </a:r>
-          </a:p>
-        </p:txBody>
-      </p:sp>
+      </p:pic>
+      <p:pic>
+        <p:nvPicPr>
+          <p:cNvPr id="7" name="Picture 6">
+            <a:extLst>
+              <a:ext uri="{FF2B5EF4-FFF2-40B4-BE49-F238E27FC236}">
+                <a16:creationId xmlns:a16="http://schemas.microsoft.com/office/drawing/2014/main" id="{220FFA6D-E833-4A26-9083-4C476EAC129F}"/>
+              </a:ext>
+            </a:extLst>
+          </p:cNvPr>
+          <p:cNvPicPr>
+            <a:picLocks noChangeAspect="1"/>
+          </p:cNvPicPr>
+          <p:nvPr/>
+        </p:nvPicPr>
+        <p:blipFill>
+          <a:blip r:embed="rId3"/>
+          <a:stretch>
+            <a:fillRect/>
+          </a:stretch>
+        </p:blipFill>
+        <p:spPr>
+          <a:xfrm>
+            <a:off x="5234215" y="288946"/>
+            <a:ext cx="2521059" cy="5965437"/>
+          </a:xfrm>
+          <a:prstGeom prst="rect">
+            <a:avLst/>
+          </a:prstGeom>
+        </p:spPr>
+      </p:pic>
     </p:spTree>
+    <p:extLst>
+      <p:ext uri="{BB962C8B-B14F-4D97-AF65-F5344CB8AC3E}">
+        <p14:creationId xmlns:p14="http://schemas.microsoft.com/office/powerpoint/2010/main" val="1835036342"/>
+      </p:ext>
+    </p:extLst>
   </p:cSld>
   <p:clrMapOvr>
     <a:masterClrMapping/>
@@ -12952,114 +13123,73 @@
           <a:chExt cx="0" cy="0"/>
         </a:xfrm>
       </p:grpSpPr>
-      <p:pic>
-        <p:nvPicPr>
-          <p:cNvPr id="2" name="Picture 1" descr="A screenshot of a video game&#10;&#10;Description automatically generated">
-            <a:extLst>
-              <a:ext uri="{FF2B5EF4-FFF2-40B4-BE49-F238E27FC236}">
-                <a16:creationId xmlns:a16="http://schemas.microsoft.com/office/drawing/2014/main" id="{AC24CBA5-CA13-E4AB-F1D9-F0040C80105E}"/>
-              </a:ext>
-            </a:extLst>
-          </p:cNvPr>
-          <p:cNvPicPr>
-            <a:picLocks noChangeAspect="1"/>
-          </p:cNvPicPr>
-          <p:nvPr/>
-        </p:nvPicPr>
-        <p:blipFill>
-          <a:blip r:embed="rId3"/>
-          <a:stretch>
-            <a:fillRect/>
-          </a:stretch>
-        </p:blipFill>
+      <p:sp>
+        <p:nvSpPr>
+          <p:cNvPr id="3" name="object 3"/>
+          <p:cNvSpPr txBox="1">
+            <a:spLocks noGrp="1"/>
+          </p:cNvSpPr>
+          <p:nvPr>
+            <p:ph type="title"/>
+          </p:nvPr>
+        </p:nvSpPr>
         <p:spPr>
           <a:xfrm>
-            <a:off x="658235" y="2091665"/>
-            <a:ext cx="3491470" cy="3421208"/>
+            <a:off x="566734" y="2386477"/>
+            <a:ext cx="10491893" cy="1412224"/>
           </a:xfrm>
           <a:prstGeom prst="rect">
             <a:avLst/>
           </a:prstGeom>
         </p:spPr>
-      </p:pic>
-      <p:pic>
-        <p:nvPicPr>
-          <p:cNvPr id="4" name="Picture 3">
-            <a:extLst>
-              <a:ext uri="{FF2B5EF4-FFF2-40B4-BE49-F238E27FC236}">
-                <a16:creationId xmlns:a16="http://schemas.microsoft.com/office/drawing/2014/main" id="{EE3B8961-9139-4D00-C679-6DB930F447FD}"/>
-              </a:ext>
-            </a:extLst>
-          </p:cNvPr>
-          <p:cNvPicPr>
-            <a:picLocks noChangeAspect="1"/>
-          </p:cNvPicPr>
-          <p:nvPr/>
-        </p:nvPicPr>
-        <p:blipFill>
-          <a:blip r:embed="rId4"/>
-          <a:stretch>
-            <a:fillRect/>
-          </a:stretch>
-        </p:blipFill>
-        <p:spPr>
-          <a:xfrm>
-            <a:off x="4973053" y="2091665"/>
-            <a:ext cx="6897597" cy="3421208"/>
-          </a:xfrm>
-          <a:prstGeom prst="rect">
-            <a:avLst/>
-          </a:prstGeom>
-        </p:spPr>
-      </p:pic>
-      <p:sp>
-        <p:nvSpPr>
-          <p:cNvPr id="5" name="TextBox 4">
-            <a:extLst>
-              <a:ext uri="{FF2B5EF4-FFF2-40B4-BE49-F238E27FC236}">
-                <a16:creationId xmlns:a16="http://schemas.microsoft.com/office/drawing/2014/main" id="{FA96A063-79BB-1C3B-D120-2467A7FB045F}"/>
-              </a:ext>
-            </a:extLst>
-          </p:cNvPr>
-          <p:cNvSpPr txBox="1"/>
-          <p:nvPr/>
-        </p:nvSpPr>
-        <p:spPr>
-          <a:xfrm>
-            <a:off x="2534652" y="240631"/>
-            <a:ext cx="7122695" cy="1488100"/>
-          </a:xfrm>
-          <a:prstGeom prst="rect">
-            <a:avLst/>
-          </a:prstGeom>
-          <a:noFill/>
-        </p:spPr>
         <p:txBody>
-          <a:bodyPr wrap="square" rtlCol="0">
+          <a:bodyPr vert="horz" wrap="square" lIns="0" tIns="16933" rIns="0" bIns="0" rtlCol="0" anchor="ctr">
             <a:spAutoFit/>
           </a:bodyPr>
           <a:lstStyle/>
           <a:p>
-            <a:pPr algn="ctr"/>
-            <a:r>
-              <a:rPr lang="en-US" sz="9070" b="1" dirty="0">
+            <a:pPr marL="16933">
+              <a:lnSpc>
+                <a:spcPct val="100000"/>
+              </a:lnSpc>
+              <a:spcBef>
+                <a:spcPts val="133"/>
+              </a:spcBef>
+            </a:pPr>
+            <a:r>
+              <a:rPr sz="9070" dirty="0">
                 <a:ln/>
                 <a:solidFill>
                   <a:schemeClr val="accent4"/>
                 </a:solidFill>
-                <a:latin typeface="+mj-lt"/>
-              </a:rPr>
-              <a:t>Join The Class</a:t>
+                <a:ea typeface="+mn-ea"/>
+                <a:cs typeface="+mn-cs"/>
+              </a:rPr>
+              <a:t>Split</a:t>
+            </a:r>
+            <a:r>
+              <a:rPr sz="9066" spc="-527" dirty="0">
+                <a:solidFill>
+                  <a:srgbClr val="FFFFFF"/>
+                </a:solidFill>
+              </a:rPr>
+              <a:t> </a:t>
+            </a:r>
+            <a:r>
+              <a:rPr sz="9070" dirty="0">
+                <a:ln/>
+                <a:solidFill>
+                  <a:schemeClr val="accent4"/>
+                </a:solidFill>
+                <a:ea typeface="+mn-ea"/>
+                <a:cs typeface="+mn-cs"/>
+              </a:rPr>
+              <a:t>Into Groups</a:t>
             </a:r>
           </a:p>
         </p:txBody>
       </p:sp>
     </p:spTree>
-    <p:extLst>
-      <p:ext uri="{BB962C8B-B14F-4D97-AF65-F5344CB8AC3E}">
-        <p14:creationId xmlns:p14="http://schemas.microsoft.com/office/powerpoint/2010/main" val="2842901205"/>
-      </p:ext>
-    </p:extLst>
   </p:cSld>
   <p:clrMapOvr>
     <a:masterClrMapping/>
